--- a/Buổi 7.pptx
+++ b/Buổi 7.pptx
@@ -115,7 +115,7 @@
   </p:defaultTextStyle>
   <p:extLst>
     <p:ext uri="{EFAFB233-063F-42B5-8137-9DF3F51BA10A}">
-      <p15:sldGuideLst xmlns:p15="http://schemas.microsoft.com/office/powerpoint/2012/main" xmlns="">
+      <p15:sldGuideLst xmlns:p15="http://schemas.microsoft.com/office/powerpoint/2012/main">
         <p15:guide id="1" orient="horz" pos="2160">
           <p15:clr>
             <a:srgbClr val="A4A3A4"/>
@@ -366,7 +366,7 @@
     </p:spTree>
     <p:extLst>
       <p:ext uri="{BB962C8B-B14F-4D97-AF65-F5344CB8AC3E}">
-        <p14:creationId xmlns:p14="http://schemas.microsoft.com/office/powerpoint/2010/main" xmlns="" val="2344809836"/>
+        <p14:creationId xmlns:p14="http://schemas.microsoft.com/office/powerpoint/2010/main" val="2344809836"/>
       </p:ext>
     </p:extLst>
   </p:cSld>
@@ -538,7 +538,7 @@
     </p:spTree>
     <p:extLst>
       <p:ext uri="{BB962C8B-B14F-4D97-AF65-F5344CB8AC3E}">
-        <p14:creationId xmlns:p14="http://schemas.microsoft.com/office/powerpoint/2010/main" xmlns="" val="3203506669"/>
+        <p14:creationId xmlns:p14="http://schemas.microsoft.com/office/powerpoint/2010/main" val="3203506669"/>
       </p:ext>
     </p:extLst>
   </p:cSld>
@@ -720,7 +720,7 @@
     </p:spTree>
     <p:extLst>
       <p:ext uri="{BB962C8B-B14F-4D97-AF65-F5344CB8AC3E}">
-        <p14:creationId xmlns:p14="http://schemas.microsoft.com/office/powerpoint/2010/main" xmlns="" val="2976909221"/>
+        <p14:creationId xmlns:p14="http://schemas.microsoft.com/office/powerpoint/2010/main" val="2976909221"/>
       </p:ext>
     </p:extLst>
   </p:cSld>
@@ -892,7 +892,7 @@
     </p:spTree>
     <p:extLst>
       <p:ext uri="{BB962C8B-B14F-4D97-AF65-F5344CB8AC3E}">
-        <p14:creationId xmlns:p14="http://schemas.microsoft.com/office/powerpoint/2010/main" xmlns="" val="3210764520"/>
+        <p14:creationId xmlns:p14="http://schemas.microsoft.com/office/powerpoint/2010/main" val="3210764520"/>
       </p:ext>
     </p:extLst>
   </p:cSld>
@@ -1140,7 +1140,7 @@
     </p:spTree>
     <p:extLst>
       <p:ext uri="{BB962C8B-B14F-4D97-AF65-F5344CB8AC3E}">
-        <p14:creationId xmlns:p14="http://schemas.microsoft.com/office/powerpoint/2010/main" xmlns="" val="3806910840"/>
+        <p14:creationId xmlns:p14="http://schemas.microsoft.com/office/powerpoint/2010/main" val="3806910840"/>
       </p:ext>
     </p:extLst>
   </p:cSld>
@@ -1430,7 +1430,7 @@
     </p:spTree>
     <p:extLst>
       <p:ext uri="{BB962C8B-B14F-4D97-AF65-F5344CB8AC3E}">
-        <p14:creationId xmlns:p14="http://schemas.microsoft.com/office/powerpoint/2010/main" xmlns="" val="2310916739"/>
+        <p14:creationId xmlns:p14="http://schemas.microsoft.com/office/powerpoint/2010/main" val="2310916739"/>
       </p:ext>
     </p:extLst>
   </p:cSld>
@@ -1854,7 +1854,7 @@
     </p:spTree>
     <p:extLst>
       <p:ext uri="{BB962C8B-B14F-4D97-AF65-F5344CB8AC3E}">
-        <p14:creationId xmlns:p14="http://schemas.microsoft.com/office/powerpoint/2010/main" xmlns="" val="2264119864"/>
+        <p14:creationId xmlns:p14="http://schemas.microsoft.com/office/powerpoint/2010/main" val="2264119864"/>
       </p:ext>
     </p:extLst>
   </p:cSld>
@@ -1974,7 +1974,7 @@
     </p:spTree>
     <p:extLst>
       <p:ext uri="{BB962C8B-B14F-4D97-AF65-F5344CB8AC3E}">
-        <p14:creationId xmlns:p14="http://schemas.microsoft.com/office/powerpoint/2010/main" xmlns="" val="2011905029"/>
+        <p14:creationId xmlns:p14="http://schemas.microsoft.com/office/powerpoint/2010/main" val="2011905029"/>
       </p:ext>
     </p:extLst>
   </p:cSld>
@@ -2071,7 +2071,7 @@
     </p:spTree>
     <p:extLst>
       <p:ext uri="{BB962C8B-B14F-4D97-AF65-F5344CB8AC3E}">
-        <p14:creationId xmlns:p14="http://schemas.microsoft.com/office/powerpoint/2010/main" xmlns="" val="1126484495"/>
+        <p14:creationId xmlns:p14="http://schemas.microsoft.com/office/powerpoint/2010/main" val="1126484495"/>
       </p:ext>
     </p:extLst>
   </p:cSld>
@@ -2350,7 +2350,7 @@
     </p:spTree>
     <p:extLst>
       <p:ext uri="{BB962C8B-B14F-4D97-AF65-F5344CB8AC3E}">
-        <p14:creationId xmlns:p14="http://schemas.microsoft.com/office/powerpoint/2010/main" xmlns="" val="2207085664"/>
+        <p14:creationId xmlns:p14="http://schemas.microsoft.com/office/powerpoint/2010/main" val="2207085664"/>
       </p:ext>
     </p:extLst>
   </p:cSld>
@@ -2605,7 +2605,7 @@
     </p:spTree>
     <p:extLst>
       <p:ext uri="{BB962C8B-B14F-4D97-AF65-F5344CB8AC3E}">
-        <p14:creationId xmlns:p14="http://schemas.microsoft.com/office/powerpoint/2010/main" xmlns="" val="3589597884"/>
+        <p14:creationId xmlns:p14="http://schemas.microsoft.com/office/powerpoint/2010/main" val="3589597884"/>
       </p:ext>
     </p:extLst>
   </p:cSld>
@@ -2865,7 +2865,7 @@
     </p:spTree>
     <p:extLst>
       <p:ext uri="{BB962C8B-B14F-4D97-AF65-F5344CB8AC3E}">
-        <p14:creationId xmlns:p14="http://schemas.microsoft.com/office/powerpoint/2010/main" xmlns="" val="3637761056"/>
+        <p14:creationId xmlns:p14="http://schemas.microsoft.com/office/powerpoint/2010/main" val="3637761056"/>
       </p:ext>
     </p:extLst>
   </p:cSld>
@@ -3192,54 +3192,53 @@
           </a:lstStyle>
           <a:p>
             <a:r>
-              <a:rPr lang="en-US" dirty="0" err="1" smtClean="0"/>
+              <a:rPr lang="en-US" dirty="0" err="1"/>
               <a:t>Buổi</a:t>
             </a:r>
             <a:r>
-              <a:rPr lang="en-US" dirty="0" smtClean="0"/>
+              <a:rPr lang="en-US" dirty="0"/>
               <a:t> 7 : </a:t>
             </a:r>
             <a:r>
-              <a:rPr lang="en-US" dirty="0" err="1" smtClean="0"/>
+              <a:rPr lang="en-US" dirty="0" err="1"/>
               <a:t>Xử</a:t>
             </a:r>
             <a:r>
-              <a:rPr lang="en-US" dirty="0" smtClean="0"/>
+              <a:rPr lang="en-US" dirty="0"/>
               <a:t> </a:t>
             </a:r>
             <a:r>
-              <a:rPr lang="en-US" dirty="0" err="1" smtClean="0"/>
+              <a:rPr lang="en-US" dirty="0" err="1"/>
               <a:t>lý</a:t>
             </a:r>
             <a:r>
-              <a:rPr lang="en-US" dirty="0" smtClean="0"/>
+              <a:rPr lang="en-US" dirty="0"/>
               <a:t> </a:t>
             </a:r>
             <a:r>
-              <a:rPr lang="en-US" dirty="0" err="1" smtClean="0"/>
+              <a:rPr lang="en-US" dirty="0" err="1"/>
               <a:t>ngoại</a:t>
             </a:r>
             <a:r>
-              <a:rPr lang="en-US" dirty="0" smtClean="0"/>
+              <a:rPr lang="en-US" dirty="0"/>
               <a:t> </a:t>
             </a:r>
             <a:r>
-              <a:rPr lang="en-US" dirty="0" err="1" smtClean="0"/>
+              <a:rPr lang="en-US" dirty="0" err="1"/>
               <a:t>lệ</a:t>
             </a:r>
             <a:r>
-              <a:rPr lang="en-US" dirty="0" smtClean="0"/>
+              <a:rPr lang="en-US" dirty="0"/>
               <a:t> </a:t>
             </a:r>
             <a:r>
-              <a:rPr lang="en-US" dirty="0" err="1" smtClean="0"/>
+              <a:rPr lang="en-US" dirty="0" err="1"/>
               <a:t>trong</a:t>
             </a:r>
             <a:r>
-              <a:rPr lang="en-US" dirty="0" smtClean="0"/>
+              <a:rPr lang="en-US" dirty="0"/>
               <a:t> Java (Exception Handling)</a:t>
             </a:r>
-            <a:endParaRPr lang="en-US" dirty="0"/>
           </a:p>
         </p:txBody>
       </p:sp>
@@ -3262,7 +3261,7 @@
           <a:noFill/>
           <a:extLst>
             <a:ext uri="{909E8E84-426E-40DD-AFC4-6F175D3DCCD1}">
-              <a14:hiddenFill xmlns:a14="http://schemas.microsoft.com/office/drawing/2010/main" xmlns="">
+              <a14:hiddenFill xmlns:a14="http://schemas.microsoft.com/office/drawing/2010/main">
                 <a:solidFill>
                   <a:srgbClr val="FFFFFF"/>
                 </a:solidFill>
@@ -3322,7 +3321,7 @@
           <a:blip r:embed="rId2">
             <a:extLst>
               <a:ext uri="{28A0092B-C50C-407E-A947-70E740481C1C}">
-                <a14:useLocalDpi xmlns:a14="http://schemas.microsoft.com/office/drawing/2010/main" xmlns="" val="0"/>
+                <a14:useLocalDpi xmlns:a14="http://schemas.microsoft.com/office/drawing/2010/main" val="0"/>
               </a:ext>
             </a:extLst>
           </a:blip>
@@ -3342,7 +3341,7 @@
           <a:noFill/>
           <a:extLst>
             <a:ext uri="{909E8E84-426E-40DD-AFC4-6F175D3DCCD1}">
-              <a14:hiddenFill xmlns:a14="http://schemas.microsoft.com/office/drawing/2010/main" xmlns="">
+              <a14:hiddenFill xmlns:a14="http://schemas.microsoft.com/office/drawing/2010/main">
                 <a:solidFill>
                   <a:srgbClr val="FFFFFF"/>
                 </a:solidFill>
@@ -3356,7 +3355,7 @@
           <p:cNvPr id="6" name="Picture 5" descr="C:\Users\Admin\Desktop\tải xuống.png">
             <a:extLst>
               <a:ext uri="{FF2B5EF4-FFF2-40B4-BE49-F238E27FC236}">
-                <a16:creationId xmlns:a16="http://schemas.microsoft.com/office/drawing/2014/main" xmlns="" id="{17A95E8F-E51E-41D0-A5EE-091BCEA39711}"/>
+                <a16:creationId xmlns:a16="http://schemas.microsoft.com/office/drawing/2014/main" id="{17A95E8F-E51E-41D0-A5EE-091BCEA39711}"/>
               </a:ext>
             </a:extLst>
           </p:cNvPr>
@@ -3369,7 +3368,7 @@
           <a:blip r:embed="rId3">
             <a:extLst>
               <a:ext uri="{28A0092B-C50C-407E-A947-70E740481C1C}">
-                <a14:useLocalDpi xmlns:a14="http://schemas.microsoft.com/office/drawing/2010/main" xmlns="" val="0"/>
+                <a14:useLocalDpi xmlns:a14="http://schemas.microsoft.com/office/drawing/2010/main" val="0"/>
               </a:ext>
             </a:extLst>
           </a:blip>
@@ -3389,7 +3388,7 @@
           <a:noFill/>
           <a:extLst>
             <a:ext uri="{909E8E84-426E-40DD-AFC4-6F175D3DCCD1}">
-              <a14:hiddenFill xmlns:a14="http://schemas.microsoft.com/office/drawing/2010/main" xmlns="">
+              <a14:hiddenFill xmlns:a14="http://schemas.microsoft.com/office/drawing/2010/main">
                 <a:solidFill>
                   <a:srgbClr val="FFFFFF"/>
                 </a:solidFill>
@@ -3401,7 +3400,7 @@
     </p:spTree>
     <p:extLst>
       <p:ext uri="{BB962C8B-B14F-4D97-AF65-F5344CB8AC3E}">
-        <p14:creationId xmlns:p14="http://schemas.microsoft.com/office/powerpoint/2010/main" xmlns="" val="2147991457"/>
+        <p14:creationId xmlns:p14="http://schemas.microsoft.com/office/powerpoint/2010/main" val="2147991457"/>
       </p:ext>
     </p:extLst>
   </p:cSld>
@@ -3635,68 +3634,68 @@
             </a:lvl1pPr>
           </a:lstStyle>
           <a:p>
-            <a:endParaRPr lang="en-US" dirty="0" smtClean="0"/>
-          </a:p>
-          <a:p>
-            <a:endParaRPr lang="en-US" dirty="0" smtClean="0"/>
-          </a:p>
-          <a:p>
-            <a:r>
-              <a:rPr lang="en-US" dirty="0" smtClean="0"/>
+            <a:endParaRPr lang="en-US" dirty="0"/>
+          </a:p>
+          <a:p>
+            <a:endParaRPr lang="en-US" dirty="0"/>
+          </a:p>
+          <a:p>
+            <a:r>
+              <a:rPr lang="en-US" dirty="0"/>
               <a:t>3. </a:t>
             </a:r>
             <a:r>
-              <a:rPr lang="en-US" b="1" dirty="0" err="1" smtClean="0"/>
+              <a:rPr lang="en-US" b="1" dirty="0" err="1"/>
               <a:t>Xử</a:t>
             </a:r>
             <a:r>
-              <a:rPr lang="en-US" b="1" dirty="0" smtClean="0"/>
+              <a:rPr lang="en-US" b="1" dirty="0"/>
               <a:t> </a:t>
             </a:r>
             <a:r>
-              <a:rPr lang="en-US" b="1" dirty="0" err="1" smtClean="0"/>
+              <a:rPr lang="en-US" b="1" dirty="0" err="1"/>
               <a:t>lý</a:t>
             </a:r>
             <a:r>
-              <a:rPr lang="en-US" b="1" dirty="0" smtClean="0"/>
+              <a:rPr lang="en-US" b="1" dirty="0"/>
               <a:t> </a:t>
             </a:r>
             <a:r>
-              <a:rPr lang="en-US" b="1" dirty="0" err="1" smtClean="0"/>
+              <a:rPr lang="en-US" b="1" dirty="0" err="1"/>
               <a:t>ngoại</a:t>
             </a:r>
             <a:r>
-              <a:rPr lang="en-US" b="1" dirty="0" smtClean="0"/>
+              <a:rPr lang="en-US" b="1" dirty="0"/>
               <a:t> </a:t>
             </a:r>
             <a:r>
-              <a:rPr lang="en-US" b="1" dirty="0" err="1" smtClean="0"/>
+              <a:rPr lang="en-US" b="1" dirty="0" err="1"/>
               <a:t>lệ</a:t>
             </a:r>
             <a:r>
-              <a:rPr lang="en-US" b="1" dirty="0" smtClean="0"/>
+              <a:rPr lang="en-US" b="1" dirty="0"/>
               <a:t> (Exception Handling) </a:t>
             </a:r>
             <a:r>
-              <a:rPr lang="en-US" b="1" dirty="0" err="1" smtClean="0"/>
+              <a:rPr lang="en-US" b="1" dirty="0" err="1"/>
               <a:t>trong</a:t>
             </a:r>
             <a:r>
-              <a:rPr lang="en-US" b="1" dirty="0" smtClean="0"/>
+              <a:rPr lang="en-US" b="1" dirty="0"/>
               <a:t> java</a:t>
             </a:r>
           </a:p>
           <a:p>
-            <a:endParaRPr lang="en-US" b="1" dirty="0" smtClean="0"/>
-          </a:p>
-          <a:p>
-            <a:endParaRPr lang="en-US" b="1" dirty="0" smtClean="0"/>
-          </a:p>
-          <a:p>
-            <a:endParaRPr lang="en-US" b="1" dirty="0" smtClean="0"/>
-          </a:p>
-          <a:p>
-            <a:endParaRPr lang="fr-FR" b="1" dirty="0" smtClean="0"/>
+            <a:endParaRPr lang="en-US" b="1" dirty="0"/>
+          </a:p>
+          <a:p>
+            <a:endParaRPr lang="en-US" b="1" dirty="0"/>
+          </a:p>
+          <a:p>
+            <a:endParaRPr lang="en-US" b="1" dirty="0"/>
+          </a:p>
+          <a:p>
+            <a:endParaRPr lang="fr-FR" b="1" dirty="0"/>
           </a:p>
           <a:p>
             <a:endParaRPr lang="vi-VN" dirty="0"/>
@@ -3708,7 +3707,7 @@
           <p:cNvPr id="5" name="Picture 5" descr="C:\Users\Admin\Desktop\tải xuống.png">
             <a:extLst>
               <a:ext uri="{FF2B5EF4-FFF2-40B4-BE49-F238E27FC236}">
-                <a16:creationId xmlns:a16="http://schemas.microsoft.com/office/drawing/2014/main" xmlns="" id="{B448CEE8-A073-4F84-8255-9246FE7F00BF}"/>
+                <a16:creationId xmlns:a16="http://schemas.microsoft.com/office/drawing/2014/main" id="{B448CEE8-A073-4F84-8255-9246FE7F00BF}"/>
               </a:ext>
             </a:extLst>
           </p:cNvPr>
@@ -3721,7 +3720,7 @@
           <a:blip r:embed="rId2">
             <a:extLst>
               <a:ext uri="{28A0092B-C50C-407E-A947-70E740481C1C}">
-                <a14:useLocalDpi xmlns:a14="http://schemas.microsoft.com/office/drawing/2010/main" xmlns="" val="0"/>
+                <a14:useLocalDpi xmlns:a14="http://schemas.microsoft.com/office/drawing/2010/main" val="0"/>
               </a:ext>
             </a:extLst>
           </a:blip>
@@ -3741,7 +3740,7 @@
           <a:noFill/>
           <a:extLst>
             <a:ext uri="{909E8E84-426E-40DD-AFC4-6F175D3DCCD1}">
-              <a14:hiddenFill xmlns:a14="http://schemas.microsoft.com/office/drawing/2010/main" xmlns="">
+              <a14:hiddenFill xmlns:a14="http://schemas.microsoft.com/office/drawing/2010/main">
                 <a:solidFill>
                   <a:srgbClr val="FFFFFF"/>
                 </a:solidFill>
@@ -3772,16 +3771,15 @@
           <a:lstStyle/>
           <a:p>
             <a:r>
-              <a:rPr lang="vi-VN" dirty="0" smtClean="0"/>
+              <a:rPr lang="vi-VN" dirty="0"/>
               <a:t>Khối lệnh try trong java được sử dụng để chứa một đoạn code có thế xảy ra một ngoại lệ. Nó phải được khai báo trong phương thức.</a:t>
             </a:r>
           </a:p>
           <a:p>
             <a:r>
-              <a:rPr lang="vi-VN" dirty="0" smtClean="0"/>
+              <a:rPr lang="vi-VN" dirty="0"/>
               <a:t>Sau một khối lệnh try bạn phải khai báo khối lệnh catch hoặc finally hoặc cả hai.</a:t>
             </a:r>
-            <a:endParaRPr lang="vi-VN" dirty="0"/>
           </a:p>
         </p:txBody>
       </p:sp>
@@ -3854,7 +3852,7 @@
     </p:spTree>
     <p:extLst>
       <p:ext uri="{BB962C8B-B14F-4D97-AF65-F5344CB8AC3E}">
-        <p14:creationId xmlns:p14="http://schemas.microsoft.com/office/powerpoint/2010/main" xmlns="" val="2063283471"/>
+        <p14:creationId xmlns:p14="http://schemas.microsoft.com/office/powerpoint/2010/main" val="2063283471"/>
       </p:ext>
     </p:extLst>
   </p:cSld>
@@ -3959,6 +3957,112 @@
                       </p:childTnLst>
                     </p:cTn>
                   </p:par>
+                  <p:par>
+                    <p:cTn id="11" fill="hold">
+                      <p:stCondLst>
+                        <p:cond delay="indefinite"/>
+                      </p:stCondLst>
+                      <p:childTnLst>
+                        <p:par>
+                          <p:cTn id="12" fill="hold">
+                            <p:stCondLst>
+                              <p:cond delay="0"/>
+                            </p:stCondLst>
+                            <p:childTnLst>
+                              <p:par>
+                                <p:cTn id="13" presetID="10" presetClass="entr" presetSubtype="0" fill="hold" nodeType="clickEffect">
+                                  <p:stCondLst>
+                                    <p:cond delay="0"/>
+                                  </p:stCondLst>
+                                  <p:childTnLst>
+                                    <p:set>
+                                      <p:cBhvr>
+                                        <p:cTn id="14" dur="1" fill="hold">
+                                          <p:stCondLst>
+                                            <p:cond delay="0"/>
+                                          </p:stCondLst>
+                                        </p:cTn>
+                                        <p:tgtEl>
+                                          <p:spTgt spid="6146"/>
+                                        </p:tgtEl>
+                                        <p:attrNameLst>
+                                          <p:attrName>style.visibility</p:attrName>
+                                        </p:attrNameLst>
+                                      </p:cBhvr>
+                                      <p:to>
+                                        <p:strVal val="visible"/>
+                                      </p:to>
+                                    </p:set>
+                                    <p:animEffect transition="in" filter="fade">
+                                      <p:cBhvr>
+                                        <p:cTn id="15" dur="500"/>
+                                        <p:tgtEl>
+                                          <p:spTgt spid="6146"/>
+                                        </p:tgtEl>
+                                      </p:cBhvr>
+                                    </p:animEffect>
+                                  </p:childTnLst>
+                                </p:cTn>
+                              </p:par>
+                            </p:childTnLst>
+                          </p:cTn>
+                        </p:par>
+                      </p:childTnLst>
+                    </p:cTn>
+                  </p:par>
+                  <p:par>
+                    <p:cTn id="16" fill="hold">
+                      <p:stCondLst>
+                        <p:cond delay="indefinite"/>
+                      </p:stCondLst>
+                      <p:childTnLst>
+                        <p:par>
+                          <p:cTn id="17" fill="hold">
+                            <p:stCondLst>
+                              <p:cond delay="0"/>
+                            </p:stCondLst>
+                            <p:childTnLst>
+                              <p:par>
+                                <p:cTn id="18" presetID="10" presetClass="entr" presetSubtype="0" fill="hold" nodeType="clickEffect">
+                                  <p:stCondLst>
+                                    <p:cond delay="0"/>
+                                  </p:stCondLst>
+                                  <p:childTnLst>
+                                    <p:set>
+                                      <p:cBhvr>
+                                        <p:cTn id="19" dur="1" fill="hold">
+                                          <p:stCondLst>
+                                            <p:cond delay="0"/>
+                                          </p:stCondLst>
+                                        </p:cTn>
+                                        <p:tgtEl>
+                                          <p:spTgt spid="6147"/>
+                                        </p:tgtEl>
+                                        <p:attrNameLst>
+                                          <p:attrName>style.visibility</p:attrName>
+                                        </p:attrNameLst>
+                                      </p:cBhvr>
+                                      <p:to>
+                                        <p:strVal val="visible"/>
+                                      </p:to>
+                                    </p:set>
+                                    <p:animEffect transition="in" filter="fade">
+                                      <p:cBhvr>
+                                        <p:cTn id="20" dur="500"/>
+                                        <p:tgtEl>
+                                          <p:spTgt spid="6147"/>
+                                        </p:tgtEl>
+                                      </p:cBhvr>
+                                    </p:animEffect>
+                                  </p:childTnLst>
+                                </p:cTn>
+                              </p:par>
+                            </p:childTnLst>
+                          </p:cTn>
+                        </p:par>
+                      </p:childTnLst>
+                    </p:cTn>
+                  </p:par>
                 </p:childTnLst>
               </p:cTn>
               <p:prevCondLst>
@@ -4053,11 +4157,7 @@
             </a:r>
             <a:r>
               <a:rPr lang="en-US" dirty="0"/>
-              <a:t> </a:t>
-            </a:r>
-            <a:r>
-              <a:rPr lang="en-US" dirty="0" smtClean="0"/>
-              <a:t>7</a:t>
+              <a:t> 7</a:t>
             </a:r>
             <a:endParaRPr lang="vi-VN" dirty="0"/>
           </a:p>
@@ -4089,30 +4189,29 @@
               <a:t>1. </a:t>
             </a:r>
             <a:r>
-              <a:rPr lang="fr-FR" sz="2400" b="1" dirty="0" err="1" smtClean="0"/>
+              <a:rPr lang="fr-FR" sz="2400" b="1" dirty="0" err="1"/>
               <a:t>Ngoại</a:t>
             </a:r>
             <a:r>
-              <a:rPr lang="fr-FR" sz="2400" b="1" dirty="0" smtClean="0"/>
+              <a:rPr lang="fr-FR" sz="2400" b="1" dirty="0"/>
               <a:t> </a:t>
             </a:r>
             <a:r>
-              <a:rPr lang="fr-FR" sz="2400" b="1" dirty="0" err="1" smtClean="0"/>
+              <a:rPr lang="fr-FR" sz="2400" b="1" dirty="0" err="1"/>
               <a:t>lệ</a:t>
             </a:r>
             <a:r>
-              <a:rPr lang="fr-FR" sz="2400" b="1" dirty="0" smtClean="0"/>
+              <a:rPr lang="fr-FR" sz="2400" b="1" dirty="0"/>
               <a:t> (Exception) là </a:t>
             </a:r>
             <a:r>
-              <a:rPr lang="fr-FR" sz="2400" b="1" dirty="0" err="1" smtClean="0"/>
+              <a:rPr lang="fr-FR" sz="2400" b="1" dirty="0" err="1"/>
               <a:t>gì</a:t>
             </a:r>
             <a:r>
-              <a:rPr lang="fr-FR" sz="2400" b="1" dirty="0" smtClean="0"/>
+              <a:rPr lang="fr-FR" sz="2400" b="1" dirty="0"/>
               <a:t>?</a:t>
             </a:r>
-            <a:endParaRPr lang="fr-FR" sz="2400" b="1" dirty="0"/>
           </a:p>
         </p:txBody>
       </p:sp>
@@ -4121,7 +4220,7 @@
           <p:cNvPr id="8" name="Picture 5" descr="C:\Users\Admin\Desktop\tải xuống.png">
             <a:extLst>
               <a:ext uri="{FF2B5EF4-FFF2-40B4-BE49-F238E27FC236}">
-                <a16:creationId xmlns:a16="http://schemas.microsoft.com/office/drawing/2014/main" xmlns="" id="{471C5568-A066-4DA1-A50C-25B7E5C999E1}"/>
+                <a16:creationId xmlns:a16="http://schemas.microsoft.com/office/drawing/2014/main" id="{471C5568-A066-4DA1-A50C-25B7E5C999E1}"/>
               </a:ext>
             </a:extLst>
           </p:cNvPr>
@@ -4134,7 +4233,7 @@
           <a:blip r:embed="rId2">
             <a:extLst>
               <a:ext uri="{28A0092B-C50C-407E-A947-70E740481C1C}">
-                <a14:useLocalDpi xmlns:a14="http://schemas.microsoft.com/office/drawing/2010/main" xmlns="" val="0"/>
+                <a14:useLocalDpi xmlns:a14="http://schemas.microsoft.com/office/drawing/2010/main" val="0"/>
               </a:ext>
             </a:extLst>
           </a:blip>
@@ -4154,7 +4253,7 @@
           <a:noFill/>
           <a:extLst>
             <a:ext uri="{909E8E84-426E-40DD-AFC4-6F175D3DCCD1}">
-              <a14:hiddenFill xmlns:a14="http://schemas.microsoft.com/office/drawing/2010/main" xmlns="">
+              <a14:hiddenFill xmlns:a14="http://schemas.microsoft.com/office/drawing/2010/main">
                 <a:solidFill>
                   <a:srgbClr val="FFFFFF"/>
                 </a:solidFill>
@@ -4185,94 +4284,93 @@
           <a:lstStyle/>
           <a:p>
             <a:r>
-              <a:rPr lang="en-US" sz="2400" dirty="0" smtClean="0"/>
+              <a:rPr lang="en-US" sz="2400" dirty="0"/>
               <a:t>2</a:t>
             </a:r>
             <a:r>
-              <a:rPr lang="vi-VN" sz="2400" dirty="0" smtClean="0"/>
+              <a:rPr lang="vi-VN" sz="2400" dirty="0"/>
               <a:t>. </a:t>
             </a:r>
             <a:r>
-              <a:rPr lang="en-US" sz="2400" b="1" dirty="0" err="1" smtClean="0"/>
+              <a:rPr lang="en-US" sz="2400" b="1" dirty="0" err="1"/>
               <a:t>Hệ</a:t>
             </a:r>
             <a:r>
-              <a:rPr lang="en-US" sz="2400" b="1" dirty="0" smtClean="0"/>
+              <a:rPr lang="en-US" sz="2400" b="1" dirty="0"/>
               <a:t> </a:t>
             </a:r>
             <a:r>
-              <a:rPr lang="en-US" sz="2400" b="1" dirty="0" err="1" smtClean="0"/>
+              <a:rPr lang="en-US" sz="2400" b="1" dirty="0" err="1"/>
               <a:t>thống</a:t>
             </a:r>
             <a:r>
-              <a:rPr lang="en-US" sz="2400" b="1" dirty="0" smtClean="0"/>
+              <a:rPr lang="en-US" sz="2400" b="1" dirty="0"/>
               <a:t> </a:t>
             </a:r>
             <a:r>
-              <a:rPr lang="en-US" sz="2400" b="1" dirty="0" err="1" smtClean="0"/>
+              <a:rPr lang="en-US" sz="2400" b="1" dirty="0" err="1"/>
               <a:t>cấp</a:t>
             </a:r>
             <a:r>
-              <a:rPr lang="en-US" sz="2400" b="1" dirty="0" smtClean="0"/>
+              <a:rPr lang="en-US" sz="2400" b="1" dirty="0"/>
               <a:t> </a:t>
             </a:r>
             <a:r>
-              <a:rPr lang="en-US" sz="2400" b="1" dirty="0" err="1" smtClean="0"/>
+              <a:rPr lang="en-US" sz="2400" b="1" dirty="0" err="1"/>
               <a:t>bậc</a:t>
             </a:r>
             <a:r>
-              <a:rPr lang="en-US" sz="2400" b="1" dirty="0" smtClean="0"/>
+              <a:rPr lang="en-US" sz="2400" b="1" dirty="0"/>
               <a:t> </a:t>
             </a:r>
             <a:r>
-              <a:rPr lang="en-US" sz="2400" b="1" dirty="0" err="1" smtClean="0"/>
+              <a:rPr lang="en-US" sz="2400" b="1" dirty="0" err="1"/>
               <a:t>của</a:t>
             </a:r>
             <a:r>
-              <a:rPr lang="en-US" sz="2400" b="1" dirty="0" smtClean="0"/>
+              <a:rPr lang="en-US" sz="2400" b="1" dirty="0"/>
               <a:t> </a:t>
             </a:r>
             <a:r>
-              <a:rPr lang="en-US" sz="2400" b="1" dirty="0" err="1" smtClean="0"/>
+              <a:rPr lang="en-US" sz="2400" b="1" dirty="0" err="1"/>
               <a:t>các</a:t>
             </a:r>
             <a:r>
-              <a:rPr lang="en-US" sz="2400" b="1" dirty="0" smtClean="0"/>
+              <a:rPr lang="en-US" sz="2400" b="1" dirty="0"/>
               <a:t> </a:t>
             </a:r>
             <a:r>
-              <a:rPr lang="en-US" sz="2400" b="1" dirty="0" err="1" smtClean="0"/>
+              <a:rPr lang="en-US" sz="2400" b="1" dirty="0" err="1"/>
               <a:t>lớp</a:t>
             </a:r>
             <a:r>
-              <a:rPr lang="en-US" sz="2400" b="1" dirty="0" smtClean="0"/>
+              <a:rPr lang="en-US" sz="2400" b="1" dirty="0"/>
               <a:t> </a:t>
             </a:r>
             <a:r>
-              <a:rPr lang="en-US" sz="2400" b="1" dirty="0" err="1" smtClean="0"/>
+              <a:rPr lang="en-US" sz="2400" b="1" dirty="0" err="1"/>
               <a:t>ngoại</a:t>
             </a:r>
             <a:r>
-              <a:rPr lang="en-US" sz="2400" b="1" dirty="0" smtClean="0"/>
+              <a:rPr lang="en-US" sz="2400" b="1" dirty="0"/>
               <a:t> </a:t>
             </a:r>
             <a:r>
-              <a:rPr lang="en-US" sz="2400" b="1" dirty="0" err="1" smtClean="0"/>
+              <a:rPr lang="en-US" sz="2400" b="1" dirty="0" err="1"/>
               <a:t>lệ</a:t>
             </a:r>
             <a:r>
-              <a:rPr lang="en-US" sz="2400" b="1" dirty="0" smtClean="0"/>
+              <a:rPr lang="en-US" sz="2400" b="1" dirty="0"/>
               <a:t> </a:t>
             </a:r>
             <a:r>
-              <a:rPr lang="en-US" sz="2400" b="1" dirty="0" err="1" smtClean="0"/>
+              <a:rPr lang="en-US" sz="2400" b="1" dirty="0" err="1"/>
               <a:t>trong</a:t>
             </a:r>
             <a:r>
-              <a:rPr lang="en-US" sz="2400" b="1" dirty="0" smtClean="0"/>
+              <a:rPr lang="en-US" sz="2400" b="1" dirty="0"/>
               <a:t> Java</a:t>
             </a:r>
-            <a:endParaRPr lang="en-US" sz="2400" b="1" dirty="0"/>
           </a:p>
         </p:txBody>
       </p:sp>
@@ -4298,51 +4396,51 @@
           <a:lstStyle/>
           <a:p>
             <a:r>
-              <a:rPr lang="en-US" sz="2400" dirty="0" smtClean="0"/>
+              <a:rPr lang="en-US" sz="2400" dirty="0"/>
               <a:t>3</a:t>
             </a:r>
             <a:r>
-              <a:rPr lang="vi-VN" sz="2400" dirty="0" smtClean="0"/>
+              <a:rPr lang="vi-VN" sz="2400" dirty="0"/>
               <a:t>. </a:t>
             </a:r>
             <a:r>
-              <a:rPr lang="en-US" sz="2400" b="1" dirty="0" err="1" smtClean="0"/>
+              <a:rPr lang="en-US" sz="2400" b="1" dirty="0" err="1"/>
               <a:t>Xử</a:t>
             </a:r>
             <a:r>
-              <a:rPr lang="en-US" sz="2400" b="1" dirty="0" smtClean="0"/>
+              <a:rPr lang="en-US" sz="2400" b="1" dirty="0"/>
               <a:t> </a:t>
             </a:r>
             <a:r>
-              <a:rPr lang="en-US" sz="2400" b="1" dirty="0" err="1" smtClean="0"/>
+              <a:rPr lang="en-US" sz="2400" b="1" dirty="0" err="1"/>
               <a:t>lý</a:t>
             </a:r>
             <a:r>
-              <a:rPr lang="en-US" sz="2400" b="1" dirty="0" smtClean="0"/>
+              <a:rPr lang="en-US" sz="2400" b="1" dirty="0"/>
               <a:t> </a:t>
             </a:r>
             <a:r>
-              <a:rPr lang="en-US" sz="2400" b="1" dirty="0" err="1" smtClean="0"/>
+              <a:rPr lang="en-US" sz="2400" b="1" dirty="0" err="1"/>
               <a:t>ngoại</a:t>
             </a:r>
             <a:r>
-              <a:rPr lang="en-US" sz="2400" b="1" dirty="0" smtClean="0"/>
+              <a:rPr lang="en-US" sz="2400" b="1" dirty="0"/>
               <a:t> </a:t>
             </a:r>
             <a:r>
-              <a:rPr lang="en-US" sz="2400" b="1" dirty="0" err="1" smtClean="0"/>
+              <a:rPr lang="en-US" sz="2400" b="1" dirty="0" err="1"/>
               <a:t>lệ</a:t>
             </a:r>
             <a:r>
-              <a:rPr lang="en-US" sz="2400" b="1" dirty="0" smtClean="0"/>
+              <a:rPr lang="en-US" sz="2400" b="1" dirty="0"/>
               <a:t> (Exception Handling) </a:t>
             </a:r>
             <a:r>
-              <a:rPr lang="en-US" sz="2400" b="1" dirty="0" err="1" smtClean="0"/>
+              <a:rPr lang="en-US" sz="2400" b="1" dirty="0" err="1"/>
               <a:t>trong</a:t>
             </a:r>
             <a:r>
-              <a:rPr lang="en-US" sz="2400" b="1" dirty="0" smtClean="0"/>
+              <a:rPr lang="en-US" sz="2400" b="1" dirty="0"/>
               <a:t> java</a:t>
             </a:r>
           </a:p>
@@ -4354,7 +4452,7 @@
     </p:spTree>
     <p:extLst>
       <p:ext uri="{BB962C8B-B14F-4D97-AF65-F5344CB8AC3E}">
-        <p14:creationId xmlns:p14="http://schemas.microsoft.com/office/powerpoint/2010/main" xmlns="" val="1849958815"/>
+        <p14:creationId xmlns:p14="http://schemas.microsoft.com/office/powerpoint/2010/main" val="1849958815"/>
       </p:ext>
     </p:extLst>
   </p:cSld>
@@ -4640,27 +4738,27 @@
               <a:t>1. </a:t>
             </a:r>
             <a:r>
-              <a:rPr lang="fr-FR" b="1" dirty="0" err="1" smtClean="0"/>
+              <a:rPr lang="fr-FR" b="1" dirty="0" err="1"/>
               <a:t>Ngoại</a:t>
             </a:r>
             <a:r>
-              <a:rPr lang="fr-FR" b="1" dirty="0" smtClean="0"/>
+              <a:rPr lang="fr-FR" b="1" dirty="0"/>
               <a:t> </a:t>
             </a:r>
             <a:r>
-              <a:rPr lang="fr-FR" b="1" dirty="0" err="1" smtClean="0"/>
+              <a:rPr lang="fr-FR" b="1" dirty="0" err="1"/>
               <a:t>lệ</a:t>
             </a:r>
             <a:r>
-              <a:rPr lang="fr-FR" b="1" dirty="0" smtClean="0"/>
+              <a:rPr lang="fr-FR" b="1" dirty="0"/>
               <a:t> (Exception) là </a:t>
             </a:r>
             <a:r>
-              <a:rPr lang="fr-FR" b="1" dirty="0" err="1" smtClean="0"/>
+              <a:rPr lang="fr-FR" b="1" dirty="0" err="1"/>
               <a:t>gì</a:t>
             </a:r>
             <a:r>
-              <a:rPr lang="fr-FR" b="1" dirty="0" smtClean="0"/>
+              <a:rPr lang="fr-FR" b="1" dirty="0"/>
               <a:t>?</a:t>
             </a:r>
           </a:p>
@@ -4674,7 +4772,7 @@
           <p:cNvPr id="5" name="Picture 5" descr="C:\Users\Admin\Desktop\tải xuống.png">
             <a:extLst>
               <a:ext uri="{FF2B5EF4-FFF2-40B4-BE49-F238E27FC236}">
-                <a16:creationId xmlns:a16="http://schemas.microsoft.com/office/drawing/2014/main" xmlns="" id="{B448CEE8-A073-4F84-8255-9246FE7F00BF}"/>
+                <a16:creationId xmlns:a16="http://schemas.microsoft.com/office/drawing/2014/main" id="{B448CEE8-A073-4F84-8255-9246FE7F00BF}"/>
               </a:ext>
             </a:extLst>
           </p:cNvPr>
@@ -4687,7 +4785,7 @@
           <a:blip r:embed="rId2">
             <a:extLst>
               <a:ext uri="{28A0092B-C50C-407E-A947-70E740481C1C}">
-                <a14:useLocalDpi xmlns:a14="http://schemas.microsoft.com/office/drawing/2010/main" xmlns="" val="0"/>
+                <a14:useLocalDpi xmlns:a14="http://schemas.microsoft.com/office/drawing/2010/main" val="0"/>
               </a:ext>
             </a:extLst>
           </a:blip>
@@ -4707,7 +4805,7 @@
           <a:noFill/>
           <a:extLst>
             <a:ext uri="{909E8E84-426E-40DD-AFC4-6F175D3DCCD1}">
-              <a14:hiddenFill xmlns:a14="http://schemas.microsoft.com/office/drawing/2010/main" xmlns="">
+              <a14:hiddenFill xmlns:a14="http://schemas.microsoft.com/office/drawing/2010/main">
                 <a:solidFill>
                   <a:srgbClr val="FFFFFF"/>
                 </a:solidFill>
@@ -4738,61 +4836,60 @@
           <a:lstStyle/>
           <a:p>
             <a:r>
-              <a:rPr lang="vi-VN" dirty="0" smtClean="0"/>
+              <a:rPr lang="vi-VN" dirty="0"/>
               <a:t>Exception là một sự kiện xảy ra trong quá trình thực thi một chương trình Java, nó làm phá vỡ cái </a:t>
             </a:r>
             <a:r>
-              <a:rPr lang="vi-VN" b="1" dirty="0" smtClean="0"/>
+              <a:rPr lang="vi-VN" b="1" dirty="0"/>
               <a:t>flow </a:t>
             </a:r>
             <a:r>
-              <a:rPr lang="vi-VN" dirty="0" smtClean="0"/>
+              <a:rPr lang="vi-VN" dirty="0"/>
               <a:t>(luồng xử lý) bình thường của một chương trình, thậm chí chết chương trình.</a:t>
             </a:r>
           </a:p>
           <a:p>
             <a:r>
-              <a:rPr lang="vi-VN" dirty="0" smtClean="0"/>
+              <a:rPr lang="vi-VN" dirty="0"/>
               <a:t>Một ngoại lệ có thể xảy ra với nhiều lý do khác nhau, nó nằm ngoài dự tính của chương trình. Một vài ngoại lệ xảy ra bởi lỗi của người dùng, một số khác bởi lỗi của lập trình viên và số khác nữa đến từ lỗi của nguồn dữ liệu vật lý. Chẳng hạn như:</a:t>
             </a:r>
           </a:p>
           <a:p>
             <a:r>
-              <a:rPr lang="vi-VN" dirty="0" smtClean="0"/>
+              <a:rPr lang="vi-VN" dirty="0"/>
               <a:t>Người dùng nhập dữ liệu không hợp lệ.</a:t>
             </a:r>
           </a:p>
           <a:p>
             <a:r>
-              <a:rPr lang="vi-VN" dirty="0" smtClean="0"/>
+              <a:rPr lang="vi-VN" dirty="0"/>
               <a:t>Truy cập ngoài chỉ số mảng.</a:t>
             </a:r>
           </a:p>
           <a:p>
             <a:r>
-              <a:rPr lang="vi-VN" dirty="0" smtClean="0"/>
+              <a:rPr lang="vi-VN" dirty="0"/>
               <a:t>Một file cần được mở nhưng không thể tìm thấy.</a:t>
             </a:r>
           </a:p>
           <a:p>
             <a:r>
-              <a:rPr lang="vi-VN" dirty="0" smtClean="0"/>
+              <a:rPr lang="vi-VN" dirty="0"/>
               <a:t>Kết nối mạng bị ngắt trong quá trình thực hiện giao tiếp hoặc JVM hết bộ nhớ.</a:t>
             </a:r>
           </a:p>
           <a:p>
             <a:r>
-              <a:rPr lang="vi-VN" dirty="0" smtClean="0"/>
+              <a:rPr lang="vi-VN" dirty="0"/>
               <a:t>….</a:t>
             </a:r>
-            <a:endParaRPr lang="vi-VN" dirty="0"/>
           </a:p>
         </p:txBody>
       </p:sp>
     </p:spTree>
     <p:extLst>
       <p:ext uri="{BB962C8B-B14F-4D97-AF65-F5344CB8AC3E}">
-        <p14:creationId xmlns:p14="http://schemas.microsoft.com/office/powerpoint/2010/main" xmlns="" val="2063283471"/>
+        <p14:creationId xmlns:p14="http://schemas.microsoft.com/office/powerpoint/2010/main" val="2063283471"/>
       </p:ext>
     </p:extLst>
   </p:cSld>
@@ -4986,27 +5083,27 @@
               <a:t>1. </a:t>
             </a:r>
             <a:r>
-              <a:rPr lang="fr-FR" b="1" dirty="0" err="1" smtClean="0"/>
+              <a:rPr lang="fr-FR" b="1" dirty="0" err="1"/>
               <a:t>Ngoại</a:t>
             </a:r>
             <a:r>
-              <a:rPr lang="fr-FR" b="1" dirty="0" smtClean="0"/>
+              <a:rPr lang="fr-FR" b="1" dirty="0"/>
               <a:t> </a:t>
             </a:r>
             <a:r>
-              <a:rPr lang="fr-FR" b="1" dirty="0" err="1" smtClean="0"/>
+              <a:rPr lang="fr-FR" b="1" dirty="0" err="1"/>
               <a:t>lệ</a:t>
             </a:r>
             <a:r>
-              <a:rPr lang="fr-FR" b="1" dirty="0" smtClean="0"/>
+              <a:rPr lang="fr-FR" b="1" dirty="0"/>
               <a:t> (Exception) là </a:t>
             </a:r>
             <a:r>
-              <a:rPr lang="fr-FR" b="1" dirty="0" err="1" smtClean="0"/>
+              <a:rPr lang="fr-FR" b="1" dirty="0" err="1"/>
               <a:t>gì</a:t>
             </a:r>
             <a:r>
-              <a:rPr lang="fr-FR" b="1" dirty="0" smtClean="0"/>
+              <a:rPr lang="fr-FR" b="1" dirty="0"/>
               <a:t>?</a:t>
             </a:r>
           </a:p>
@@ -5020,7 +5117,7 @@
           <p:cNvPr id="5" name="Picture 5" descr="C:\Users\Admin\Desktop\tải xuống.png">
             <a:extLst>
               <a:ext uri="{FF2B5EF4-FFF2-40B4-BE49-F238E27FC236}">
-                <a16:creationId xmlns:a16="http://schemas.microsoft.com/office/drawing/2014/main" xmlns="" id="{B448CEE8-A073-4F84-8255-9246FE7F00BF}"/>
+                <a16:creationId xmlns:a16="http://schemas.microsoft.com/office/drawing/2014/main" id="{B448CEE8-A073-4F84-8255-9246FE7F00BF}"/>
               </a:ext>
             </a:extLst>
           </p:cNvPr>
@@ -5033,7 +5130,7 @@
           <a:blip r:embed="rId2">
             <a:extLst>
               <a:ext uri="{28A0092B-C50C-407E-A947-70E740481C1C}">
-                <a14:useLocalDpi xmlns:a14="http://schemas.microsoft.com/office/drawing/2010/main" xmlns="" val="0"/>
+                <a14:useLocalDpi xmlns:a14="http://schemas.microsoft.com/office/drawing/2010/main" val="0"/>
               </a:ext>
             </a:extLst>
           </a:blip>
@@ -5053,7 +5150,7 @@
           <a:noFill/>
           <a:extLst>
             <a:ext uri="{909E8E84-426E-40DD-AFC4-6F175D3DCCD1}">
-              <a14:hiddenFill xmlns:a14="http://schemas.microsoft.com/office/drawing/2010/main" xmlns="">
+              <a14:hiddenFill xmlns:a14="http://schemas.microsoft.com/office/drawing/2010/main">
                 <a:solidFill>
                   <a:srgbClr val="FFFFFF"/>
                 </a:solidFill>
@@ -5084,10 +5181,9 @@
           <a:lstStyle/>
           <a:p>
             <a:r>
-              <a:rPr lang="vi-VN" dirty="0" smtClean="0"/>
+              <a:rPr lang="vi-VN" dirty="0"/>
               <a:t>Ví dụ chương trình chia 2 số. Nếu ta cho mẫu số = 0 thì phát sinh lỗi và đó được coi là 1 ngoại lệ.</a:t>
             </a:r>
-            <a:endParaRPr lang="vi-VN" dirty="0"/>
           </a:p>
         </p:txBody>
       </p:sp>
@@ -5127,13 +5223,25 @@
     </p:spTree>
     <p:extLst>
       <p:ext uri="{BB962C8B-B14F-4D97-AF65-F5344CB8AC3E}">
-        <p14:creationId xmlns:p14="http://schemas.microsoft.com/office/powerpoint/2010/main" xmlns="" val="2063283471"/>
+        <p14:creationId xmlns:p14="http://schemas.microsoft.com/office/powerpoint/2010/main" val="2063283471"/>
       </p:ext>
     </p:extLst>
   </p:cSld>
   <p:clrMapOvr>
     <a:masterClrMapping/>
   </p:clrMapOvr>
+  <mc:AlternateContent xmlns:mc="http://schemas.openxmlformats.org/markup-compatibility/2006">
+    <mc:Choice xmlns:p159="http://schemas.microsoft.com/office/powerpoint/2015/09/main" Requires="p159">
+      <p:transition xmlns:p14="http://schemas.microsoft.com/office/powerpoint/2010/main" spd="slow" p14:dur="2000">
+        <p159:morph option="byObject"/>
+      </p:transition>
+    </mc:Choice>
+    <mc:Fallback>
+      <p:transition spd="slow">
+        <p:fade/>
+      </p:transition>
+    </mc:Fallback>
+  </mc:AlternateContent>
   <p:timing>
     <p:tnLst>
       <p:par>
@@ -5232,6 +5340,59 @@
                       </p:childTnLst>
                     </p:cTn>
                   </p:par>
+                  <p:par>
+                    <p:cTn id="11" fill="hold">
+                      <p:stCondLst>
+                        <p:cond delay="indefinite"/>
+                      </p:stCondLst>
+                      <p:childTnLst>
+                        <p:par>
+                          <p:cTn id="12" fill="hold">
+                            <p:stCondLst>
+                              <p:cond delay="0"/>
+                            </p:stCondLst>
+                            <p:childTnLst>
+                              <p:par>
+                                <p:cTn id="13" presetID="10" presetClass="entr" presetSubtype="0" fill="hold" nodeType="clickEffect">
+                                  <p:stCondLst>
+                                    <p:cond delay="0"/>
+                                  </p:stCondLst>
+                                  <p:childTnLst>
+                                    <p:set>
+                                      <p:cBhvr>
+                                        <p:cTn id="14" dur="1" fill="hold">
+                                          <p:stCondLst>
+                                            <p:cond delay="0"/>
+                                          </p:stCondLst>
+                                        </p:cTn>
+                                        <p:tgtEl>
+                                          <p:spTgt spid="1026"/>
+                                        </p:tgtEl>
+                                        <p:attrNameLst>
+                                          <p:attrName>style.visibility</p:attrName>
+                                        </p:attrNameLst>
+                                      </p:cBhvr>
+                                      <p:to>
+                                        <p:strVal val="visible"/>
+                                      </p:to>
+                                    </p:set>
+                                    <p:animEffect transition="in" filter="fade">
+                                      <p:cBhvr>
+                                        <p:cTn id="15" dur="500"/>
+                                        <p:tgtEl>
+                                          <p:spTgt spid="1026"/>
+                                        </p:tgtEl>
+                                      </p:cBhvr>
+                                    </p:animEffect>
+                                  </p:childTnLst>
+                                </p:cTn>
+                              </p:par>
+                            </p:childTnLst>
+                          </p:cTn>
+                        </p:par>
+                      </p:childTnLst>
+                    </p:cTn>
+                  </p:par>
                 </p:childTnLst>
               </p:cTn>
               <p:prevCondLst>
@@ -5317,92 +5478,92 @@
           </a:lstStyle>
           <a:p>
             <a:r>
-              <a:rPr lang="en-US" dirty="0" smtClean="0"/>
+              <a:rPr lang="en-US" dirty="0"/>
               <a:t>2. </a:t>
             </a:r>
             <a:r>
-              <a:rPr lang="en-US" b="1" dirty="0" err="1" smtClean="0"/>
+              <a:rPr lang="en-US" b="1" dirty="0" err="1"/>
               <a:t>Hệ</a:t>
             </a:r>
             <a:r>
-              <a:rPr lang="en-US" b="1" dirty="0" smtClean="0"/>
+              <a:rPr lang="en-US" b="1" dirty="0"/>
               <a:t> </a:t>
             </a:r>
             <a:r>
-              <a:rPr lang="en-US" b="1" dirty="0" err="1" smtClean="0"/>
+              <a:rPr lang="en-US" b="1" dirty="0" err="1"/>
               <a:t>thống</a:t>
             </a:r>
             <a:r>
-              <a:rPr lang="en-US" b="1" dirty="0" smtClean="0"/>
+              <a:rPr lang="en-US" b="1" dirty="0"/>
               <a:t> </a:t>
             </a:r>
             <a:r>
-              <a:rPr lang="en-US" b="1" dirty="0" err="1" smtClean="0"/>
+              <a:rPr lang="en-US" b="1" dirty="0" err="1"/>
               <a:t>cấp</a:t>
             </a:r>
             <a:r>
-              <a:rPr lang="en-US" b="1" dirty="0" smtClean="0"/>
+              <a:rPr lang="en-US" b="1" dirty="0"/>
               <a:t> </a:t>
             </a:r>
             <a:r>
-              <a:rPr lang="en-US" b="1" dirty="0" err="1" smtClean="0"/>
+              <a:rPr lang="en-US" b="1" dirty="0" err="1"/>
               <a:t>bậc</a:t>
             </a:r>
             <a:r>
-              <a:rPr lang="en-US" b="1" dirty="0" smtClean="0"/>
+              <a:rPr lang="en-US" b="1" dirty="0"/>
               <a:t> </a:t>
             </a:r>
             <a:r>
-              <a:rPr lang="en-US" b="1" dirty="0" err="1" smtClean="0"/>
+              <a:rPr lang="en-US" b="1" dirty="0" err="1"/>
               <a:t>của</a:t>
             </a:r>
             <a:r>
-              <a:rPr lang="en-US" b="1" dirty="0" smtClean="0"/>
+              <a:rPr lang="en-US" b="1" dirty="0"/>
               <a:t> </a:t>
             </a:r>
             <a:r>
-              <a:rPr lang="en-US" b="1" dirty="0" err="1" smtClean="0"/>
+              <a:rPr lang="en-US" b="1" dirty="0" err="1"/>
               <a:t>các</a:t>
             </a:r>
             <a:r>
-              <a:rPr lang="en-US" b="1" dirty="0" smtClean="0"/>
+              <a:rPr lang="en-US" b="1" dirty="0"/>
               <a:t> </a:t>
             </a:r>
             <a:r>
-              <a:rPr lang="en-US" b="1" dirty="0" err="1" smtClean="0"/>
+              <a:rPr lang="en-US" b="1" dirty="0" err="1"/>
               <a:t>lớp</a:t>
             </a:r>
             <a:r>
-              <a:rPr lang="en-US" b="1" dirty="0" smtClean="0"/>
+              <a:rPr lang="en-US" b="1" dirty="0"/>
               <a:t> </a:t>
             </a:r>
             <a:r>
-              <a:rPr lang="en-US" b="1" dirty="0" err="1" smtClean="0"/>
+              <a:rPr lang="en-US" b="1" dirty="0" err="1"/>
               <a:t>ngoại</a:t>
             </a:r>
             <a:r>
-              <a:rPr lang="en-US" b="1" dirty="0" smtClean="0"/>
+              <a:rPr lang="en-US" b="1" dirty="0"/>
               <a:t> </a:t>
             </a:r>
             <a:r>
-              <a:rPr lang="en-US" b="1" dirty="0" err="1" smtClean="0"/>
+              <a:rPr lang="en-US" b="1" dirty="0" err="1"/>
               <a:t>lệ</a:t>
             </a:r>
             <a:r>
-              <a:rPr lang="en-US" b="1" dirty="0" smtClean="0"/>
+              <a:rPr lang="en-US" b="1" dirty="0"/>
               <a:t> </a:t>
             </a:r>
             <a:r>
-              <a:rPr lang="en-US" b="1" dirty="0" err="1" smtClean="0"/>
+              <a:rPr lang="en-US" b="1" dirty="0" err="1"/>
               <a:t>trong</a:t>
             </a:r>
             <a:r>
-              <a:rPr lang="en-US" b="1" dirty="0" smtClean="0"/>
+              <a:rPr lang="en-US" b="1" dirty="0"/>
               <a:t> Java</a:t>
             </a:r>
           </a:p>
           <a:p>
-            <a:endParaRPr lang="fr-FR" b="1" dirty="0" smtClean="0"/>
+            <a:endParaRPr lang="fr-FR" b="1" dirty="0"/>
           </a:p>
           <a:p>
             <a:endParaRPr lang="vi-VN" dirty="0"/>
@@ -5414,7 +5575,7 @@
           <p:cNvPr id="5" name="Picture 5" descr="C:\Users\Admin\Desktop\tải xuống.png">
             <a:extLst>
               <a:ext uri="{FF2B5EF4-FFF2-40B4-BE49-F238E27FC236}">
-                <a16:creationId xmlns:a16="http://schemas.microsoft.com/office/drawing/2014/main" xmlns="" id="{B448CEE8-A073-4F84-8255-9246FE7F00BF}"/>
+                <a16:creationId xmlns:a16="http://schemas.microsoft.com/office/drawing/2014/main" id="{B448CEE8-A073-4F84-8255-9246FE7F00BF}"/>
               </a:ext>
             </a:extLst>
           </p:cNvPr>
@@ -5427,7 +5588,7 @@
           <a:blip r:embed="rId2">
             <a:extLst>
               <a:ext uri="{28A0092B-C50C-407E-A947-70E740481C1C}">
-                <a14:useLocalDpi xmlns:a14="http://schemas.microsoft.com/office/drawing/2010/main" xmlns="" val="0"/>
+                <a14:useLocalDpi xmlns:a14="http://schemas.microsoft.com/office/drawing/2010/main" val="0"/>
               </a:ext>
             </a:extLst>
           </a:blip>
@@ -5447,7 +5608,7 @@
           <a:noFill/>
           <a:extLst>
             <a:ext uri="{909E8E84-426E-40DD-AFC4-6F175D3DCCD1}">
-              <a14:hiddenFill xmlns:a14="http://schemas.microsoft.com/office/drawing/2010/main" xmlns="">
+              <a14:hiddenFill xmlns:a14="http://schemas.microsoft.com/office/drawing/2010/main">
                 <a:solidFill>
                   <a:srgbClr val="FFFFFF"/>
                 </a:solidFill>
@@ -5478,73 +5639,72 @@
           <a:lstStyle/>
           <a:p>
             <a:r>
-              <a:rPr lang="vi-VN" dirty="0" smtClean="0"/>
+              <a:rPr lang="vi-VN" dirty="0"/>
               <a:t>Đây là mô hình sơ đồ phân cấp của </a:t>
             </a:r>
             <a:r>
-              <a:rPr lang="vi-VN" b="1" dirty="0" smtClean="0"/>
+              <a:rPr lang="vi-VN" b="1" dirty="0"/>
               <a:t>Exception</a:t>
             </a:r>
             <a:r>
-              <a:rPr lang="vi-VN" dirty="0" smtClean="0"/>
+              <a:rPr lang="vi-VN" dirty="0"/>
               <a:t> trong java.</a:t>
             </a:r>
           </a:p>
           <a:p>
             <a:r>
-              <a:rPr lang="vi-VN" dirty="0" smtClean="0"/>
+              <a:rPr lang="vi-VN" dirty="0"/>
               <a:t>Class ở mức cao nhất là </a:t>
             </a:r>
             <a:r>
-              <a:rPr lang="vi-VN" b="1" dirty="0" smtClean="0"/>
+              <a:rPr lang="vi-VN" b="1" dirty="0"/>
               <a:t>Throwable</a:t>
             </a:r>
-            <a:endParaRPr lang="vi-VN" dirty="0" smtClean="0"/>
-          </a:p>
-          <a:p>
-            <a:r>
-              <a:rPr lang="vi-VN" dirty="0" smtClean="0"/>
+            <a:endParaRPr lang="vi-VN" dirty="0"/>
+          </a:p>
+          <a:p>
+            <a:r>
+              <a:rPr lang="vi-VN" dirty="0"/>
               <a:t>Hai class con trực tiếp là </a:t>
             </a:r>
             <a:r>
-              <a:rPr lang="vi-VN" b="1" dirty="0" smtClean="0"/>
+              <a:rPr lang="vi-VN" b="1" dirty="0"/>
               <a:t>Error </a:t>
             </a:r>
             <a:r>
-              <a:rPr lang="vi-VN" dirty="0" smtClean="0"/>
+              <a:rPr lang="vi-VN" dirty="0"/>
               <a:t>và </a:t>
             </a:r>
             <a:r>
-              <a:rPr lang="vi-VN" b="1" dirty="0" smtClean="0"/>
+              <a:rPr lang="vi-VN" b="1" dirty="0"/>
               <a:t>Exception</a:t>
             </a:r>
             <a:r>
-              <a:rPr lang="vi-VN" dirty="0" smtClean="0"/>
+              <a:rPr lang="vi-VN" dirty="0"/>
               <a:t>.</a:t>
             </a:r>
           </a:p>
           <a:p>
             <a:r>
-              <a:rPr lang="vi-VN" dirty="0" smtClean="0"/>
+              <a:rPr lang="vi-VN" dirty="0"/>
               <a:t>Trong nhánh </a:t>
             </a:r>
             <a:r>
-              <a:rPr lang="vi-VN" b="1" dirty="0" smtClean="0"/>
+              <a:rPr lang="vi-VN" b="1" dirty="0"/>
               <a:t>Exception</a:t>
             </a:r>
             <a:r>
-              <a:rPr lang="vi-VN" dirty="0" smtClean="0"/>
+              <a:rPr lang="vi-VN" dirty="0"/>
               <a:t> có một nhánh con </a:t>
             </a:r>
             <a:r>
-              <a:rPr lang="vi-VN" b="1" dirty="0" smtClean="0"/>
+              <a:rPr lang="vi-VN" b="1" dirty="0"/>
               <a:t>RuntimeException </a:t>
             </a:r>
             <a:r>
-              <a:rPr lang="vi-VN" dirty="0" smtClean="0"/>
+              <a:rPr lang="vi-VN" dirty="0"/>
               <a:t>là các ngoại lệ sẽ không được java kiểm tra trong thời điểm biên dịch.</a:t>
             </a:r>
-            <a:endParaRPr lang="vi-VN" dirty="0"/>
           </a:p>
         </p:txBody>
       </p:sp>
@@ -5565,7 +5725,7 @@
         </p:blipFill>
         <p:spPr bwMode="auto">
           <a:xfrm>
-            <a:off x="1447800" y="2667000"/>
+            <a:off x="990600" y="3225165"/>
             <a:ext cx="6076950" cy="3514725"/>
           </a:xfrm>
           <a:prstGeom prst="rect">
@@ -5584,13 +5744,25 @@
     </p:spTree>
     <p:extLst>
       <p:ext uri="{BB962C8B-B14F-4D97-AF65-F5344CB8AC3E}">
-        <p14:creationId xmlns:p14="http://schemas.microsoft.com/office/powerpoint/2010/main" xmlns="" val="2063283471"/>
+        <p14:creationId xmlns:p14="http://schemas.microsoft.com/office/powerpoint/2010/main" val="2063283471"/>
       </p:ext>
     </p:extLst>
   </p:cSld>
   <p:clrMapOvr>
     <a:masterClrMapping/>
   </p:clrMapOvr>
+  <mc:AlternateContent xmlns:mc="http://schemas.openxmlformats.org/markup-compatibility/2006">
+    <mc:Choice xmlns:p159="http://schemas.microsoft.com/office/powerpoint/2015/09/main" Requires="p159">
+      <p:transition xmlns:p14="http://schemas.microsoft.com/office/powerpoint/2010/main" spd="slow" p14:dur="2000">
+        <p159:morph option="byObject"/>
+      </p:transition>
+    </mc:Choice>
+    <mc:Fallback>
+      <p:transition spd="slow">
+        <p:fade/>
+      </p:transition>
+    </mc:Fallback>
+  </mc:AlternateContent>
   <p:timing>
     <p:tnLst>
       <p:par>
@@ -5689,6 +5861,59 @@
                       </p:childTnLst>
                     </p:cTn>
                   </p:par>
+                  <p:par>
+                    <p:cTn id="11" fill="hold">
+                      <p:stCondLst>
+                        <p:cond delay="indefinite"/>
+                      </p:stCondLst>
+                      <p:childTnLst>
+                        <p:par>
+                          <p:cTn id="12" fill="hold">
+                            <p:stCondLst>
+                              <p:cond delay="0"/>
+                            </p:stCondLst>
+                            <p:childTnLst>
+                              <p:par>
+                                <p:cTn id="13" presetID="10" presetClass="entr" presetSubtype="0" fill="hold" nodeType="clickEffect">
+                                  <p:stCondLst>
+                                    <p:cond delay="0"/>
+                                  </p:stCondLst>
+                                  <p:childTnLst>
+                                    <p:set>
+                                      <p:cBhvr>
+                                        <p:cTn id="14" dur="1" fill="hold">
+                                          <p:stCondLst>
+                                            <p:cond delay="0"/>
+                                          </p:stCondLst>
+                                        </p:cTn>
+                                        <p:tgtEl>
+                                          <p:spTgt spid="2050"/>
+                                        </p:tgtEl>
+                                        <p:attrNameLst>
+                                          <p:attrName>style.visibility</p:attrName>
+                                        </p:attrNameLst>
+                                      </p:cBhvr>
+                                      <p:to>
+                                        <p:strVal val="visible"/>
+                                      </p:to>
+                                    </p:set>
+                                    <p:animEffect transition="in" filter="fade">
+                                      <p:cBhvr>
+                                        <p:cTn id="15" dur="500"/>
+                                        <p:tgtEl>
+                                          <p:spTgt spid="2050"/>
+                                        </p:tgtEl>
+                                      </p:cBhvr>
+                                    </p:animEffect>
+                                  </p:childTnLst>
+                                </p:cTn>
+                              </p:par>
+                            </p:childTnLst>
+                          </p:cTn>
+                        </p:par>
+                      </p:childTnLst>
+                    </p:cTn>
+                  </p:par>
                 </p:childTnLst>
               </p:cTn>
               <p:prevCondLst>
@@ -5774,19 +5999,19 @@
           </a:lstStyle>
           <a:p>
             <a:r>
-              <a:rPr lang="en-US" dirty="0" smtClean="0"/>
+              <a:rPr lang="en-US" dirty="0"/>
               <a:t>2.1 </a:t>
             </a:r>
             <a:r>
-              <a:rPr lang="en-US" b="1" dirty="0" smtClean="0"/>
+              <a:rPr lang="en-US" b="1" dirty="0"/>
               <a:t>Exception</a:t>
             </a:r>
           </a:p>
           <a:p>
-            <a:endParaRPr lang="en-US" b="1" dirty="0" smtClean="0"/>
-          </a:p>
-          <a:p>
-            <a:endParaRPr lang="fr-FR" b="1" dirty="0" smtClean="0"/>
+            <a:endParaRPr lang="en-US" b="1" dirty="0"/>
+          </a:p>
+          <a:p>
+            <a:endParaRPr lang="fr-FR" b="1" dirty="0"/>
           </a:p>
           <a:p>
             <a:endParaRPr lang="vi-VN" dirty="0"/>
@@ -5798,7 +6023,7 @@
           <p:cNvPr id="5" name="Picture 5" descr="C:\Users\Admin\Desktop\tải xuống.png">
             <a:extLst>
               <a:ext uri="{FF2B5EF4-FFF2-40B4-BE49-F238E27FC236}">
-                <a16:creationId xmlns:a16="http://schemas.microsoft.com/office/drawing/2014/main" xmlns="" id="{B448CEE8-A073-4F84-8255-9246FE7F00BF}"/>
+                <a16:creationId xmlns:a16="http://schemas.microsoft.com/office/drawing/2014/main" id="{B448CEE8-A073-4F84-8255-9246FE7F00BF}"/>
               </a:ext>
             </a:extLst>
           </p:cNvPr>
@@ -5811,7 +6036,7 @@
           <a:blip r:embed="rId2">
             <a:extLst>
               <a:ext uri="{28A0092B-C50C-407E-A947-70E740481C1C}">
-                <a14:useLocalDpi xmlns:a14="http://schemas.microsoft.com/office/drawing/2010/main" xmlns="" val="0"/>
+                <a14:useLocalDpi xmlns:a14="http://schemas.microsoft.com/office/drawing/2010/main" val="0"/>
               </a:ext>
             </a:extLst>
           </a:blip>
@@ -5831,7 +6056,7 @@
           <a:noFill/>
           <a:extLst>
             <a:ext uri="{909E8E84-426E-40DD-AFC4-6F175D3DCCD1}">
-              <a14:hiddenFill xmlns:a14="http://schemas.microsoft.com/office/drawing/2010/main" xmlns="">
+              <a14:hiddenFill xmlns:a14="http://schemas.microsoft.com/office/drawing/2010/main">
                 <a:solidFill>
                   <a:srgbClr val="FFFFFF"/>
                 </a:solidFill>
@@ -5862,17 +6087,16 @@
           <a:lstStyle/>
           <a:p>
             <a:r>
-              <a:rPr lang="vi-VN" dirty="0" smtClean="0"/>
+              <a:rPr lang="vi-VN" dirty="0"/>
               <a:t>Trong Java có 2 loại exception: checked và unchecked. Tất cả các checked exception được kế thừa từ lớp Exception ngoại trừ lớp RuntimeException. RuntimeException là lớp cơ sở của tất cả các lớp unchecked exception. Đó cũng là dấu hiệu để nhận biết đâu là checked exception và đâu là unchecked exception.</a:t>
             </a:r>
-            <a:endParaRPr lang="vi-VN" dirty="0"/>
           </a:p>
         </p:txBody>
       </p:sp>
     </p:spTree>
     <p:extLst>
       <p:ext uri="{BB962C8B-B14F-4D97-AF65-F5344CB8AC3E}">
-        <p14:creationId xmlns:p14="http://schemas.microsoft.com/office/powerpoint/2010/main" xmlns="" val="2063283471"/>
+        <p14:creationId xmlns:p14="http://schemas.microsoft.com/office/powerpoint/2010/main" val="2063283471"/>
       </p:ext>
     </p:extLst>
   </p:cSld>
@@ -6062,19 +6286,19 @@
           </a:lstStyle>
           <a:p>
             <a:r>
-              <a:rPr lang="en-US" dirty="0" smtClean="0"/>
+              <a:rPr lang="en-US" dirty="0"/>
               <a:t>2.1 </a:t>
             </a:r>
             <a:r>
-              <a:rPr lang="en-US" b="1" dirty="0" smtClean="0"/>
+              <a:rPr lang="en-US" b="1" dirty="0"/>
               <a:t>Checked exceptions</a:t>
             </a:r>
           </a:p>
           <a:p>
-            <a:endParaRPr lang="en-US" b="1" dirty="0" smtClean="0"/>
-          </a:p>
-          <a:p>
-            <a:endParaRPr lang="fr-FR" b="1" dirty="0" smtClean="0"/>
+            <a:endParaRPr lang="en-US" b="1" dirty="0"/>
+          </a:p>
+          <a:p>
+            <a:endParaRPr lang="fr-FR" b="1" dirty="0"/>
           </a:p>
           <a:p>
             <a:endParaRPr lang="vi-VN" dirty="0"/>
@@ -6086,7 +6310,7 @@
           <p:cNvPr id="5" name="Picture 5" descr="C:\Users\Admin\Desktop\tải xuống.png">
             <a:extLst>
               <a:ext uri="{FF2B5EF4-FFF2-40B4-BE49-F238E27FC236}">
-                <a16:creationId xmlns:a16="http://schemas.microsoft.com/office/drawing/2014/main" xmlns="" id="{B448CEE8-A073-4F84-8255-9246FE7F00BF}"/>
+                <a16:creationId xmlns:a16="http://schemas.microsoft.com/office/drawing/2014/main" id="{B448CEE8-A073-4F84-8255-9246FE7F00BF}"/>
               </a:ext>
             </a:extLst>
           </p:cNvPr>
@@ -6099,7 +6323,7 @@
           <a:blip r:embed="rId2">
             <a:extLst>
               <a:ext uri="{28A0092B-C50C-407E-A947-70E740481C1C}">
-                <a14:useLocalDpi xmlns:a14="http://schemas.microsoft.com/office/drawing/2010/main" xmlns="" val="0"/>
+                <a14:useLocalDpi xmlns:a14="http://schemas.microsoft.com/office/drawing/2010/main" val="0"/>
               </a:ext>
             </a:extLst>
           </a:blip>
@@ -6119,7 +6343,7 @@
           <a:noFill/>
           <a:extLst>
             <a:ext uri="{909E8E84-426E-40DD-AFC4-6F175D3DCCD1}">
-              <a14:hiddenFill xmlns:a14="http://schemas.microsoft.com/office/drawing/2010/main" xmlns="">
+              <a14:hiddenFill xmlns:a14="http://schemas.microsoft.com/office/drawing/2010/main">
                 <a:solidFill>
                   <a:srgbClr val="FFFFFF"/>
                 </a:solidFill>
@@ -6150,36 +6374,35 @@
           <a:lstStyle/>
           <a:p>
             <a:r>
-              <a:rPr lang="vi-VN" dirty="0" smtClean="0"/>
+              <a:rPr lang="vi-VN" dirty="0"/>
               <a:t>Là loại exception xảy ra trong lúc compile time, nó cũng có thể được gọi là </a:t>
             </a:r>
             <a:r>
-              <a:rPr lang="vi-VN" b="1" dirty="0" smtClean="0"/>
+              <a:rPr lang="vi-VN" b="1" dirty="0"/>
               <a:t>compile time exceptions</a:t>
             </a:r>
             <a:r>
-              <a:rPr lang="vi-VN" dirty="0" smtClean="0"/>
+              <a:rPr lang="vi-VN" dirty="0"/>
               <a:t>. Loại exception này không thể bỏ qua được trong quá trình compile, bắt buộc ta phải handle nó.</a:t>
             </a:r>
           </a:p>
           <a:p>
             <a:r>
-              <a:rPr lang="vi-VN" dirty="0" smtClean="0"/>
+              <a:rPr lang="vi-VN" dirty="0"/>
               <a:t>Các lớp extends từ lớp Throwable ngoại trừ RuntimeException và Error được gọi là checked exception.</a:t>
             </a:r>
           </a:p>
           <a:p>
             <a:r>
-              <a:rPr lang="vi-VN" dirty="0" smtClean="0"/>
+              <a:rPr lang="vi-VN" dirty="0"/>
               <a:t>Ví dụ: IOException, FileNotFoundException, NoSuchFieldException, ….</a:t>
             </a:r>
           </a:p>
           <a:p>
             <a:r>
-              <a:rPr lang="vi-VN" dirty="0" smtClean="0"/>
+              <a:rPr lang="vi-VN" dirty="0"/>
               <a:t>Ví dụ chương trình sau đọc file sử dụng java.io.FileReader lớp này ném ra ngoại lệ FileNotFoundException. Trình biên dịch thông báo lỗi như sau:</a:t>
             </a:r>
-            <a:endParaRPr lang="vi-VN" dirty="0"/>
           </a:p>
         </p:txBody>
       </p:sp>
@@ -6219,7 +6442,7 @@
     </p:spTree>
     <p:extLst>
       <p:ext uri="{BB962C8B-B14F-4D97-AF65-F5344CB8AC3E}">
-        <p14:creationId xmlns:p14="http://schemas.microsoft.com/office/powerpoint/2010/main" xmlns="" val="2063283471"/>
+        <p14:creationId xmlns:p14="http://schemas.microsoft.com/office/powerpoint/2010/main" val="2063283471"/>
       </p:ext>
     </p:extLst>
   </p:cSld>
@@ -6324,6 +6547,59 @@
                       </p:childTnLst>
                     </p:cTn>
                   </p:par>
+                  <p:par>
+                    <p:cTn id="11" fill="hold">
+                      <p:stCondLst>
+                        <p:cond delay="indefinite"/>
+                      </p:stCondLst>
+                      <p:childTnLst>
+                        <p:par>
+                          <p:cTn id="12" fill="hold">
+                            <p:stCondLst>
+                              <p:cond delay="0"/>
+                            </p:stCondLst>
+                            <p:childTnLst>
+                              <p:par>
+                                <p:cTn id="13" presetID="10" presetClass="entr" presetSubtype="0" fill="hold" nodeType="clickEffect">
+                                  <p:stCondLst>
+                                    <p:cond delay="0"/>
+                                  </p:stCondLst>
+                                  <p:childTnLst>
+                                    <p:set>
+                                      <p:cBhvr>
+                                        <p:cTn id="14" dur="1" fill="hold">
+                                          <p:stCondLst>
+                                            <p:cond delay="0"/>
+                                          </p:stCondLst>
+                                        </p:cTn>
+                                        <p:tgtEl>
+                                          <p:spTgt spid="3074"/>
+                                        </p:tgtEl>
+                                        <p:attrNameLst>
+                                          <p:attrName>style.visibility</p:attrName>
+                                        </p:attrNameLst>
+                                      </p:cBhvr>
+                                      <p:to>
+                                        <p:strVal val="visible"/>
+                                      </p:to>
+                                    </p:set>
+                                    <p:animEffect transition="in" filter="fade">
+                                      <p:cBhvr>
+                                        <p:cTn id="15" dur="500"/>
+                                        <p:tgtEl>
+                                          <p:spTgt spid="3074"/>
+                                        </p:tgtEl>
+                                      </p:cBhvr>
+                                    </p:animEffect>
+                                  </p:childTnLst>
+                                </p:cTn>
+                              </p:par>
+                            </p:childTnLst>
+                          </p:cTn>
+                        </p:par>
+                      </p:childTnLst>
+                    </p:cTn>
+                  </p:par>
                 </p:childTnLst>
               </p:cTn>
               <p:prevCondLst>
@@ -6409,23 +6685,23 @@
           </a:lstStyle>
           <a:p>
             <a:r>
-              <a:rPr lang="en-US" dirty="0" smtClean="0"/>
+              <a:rPr lang="en-US" dirty="0"/>
               <a:t>2.1 </a:t>
             </a:r>
             <a:r>
-              <a:rPr lang="en-US" b="1" dirty="0" err="1" smtClean="0"/>
+              <a:rPr lang="en-US" b="1" dirty="0" err="1"/>
               <a:t>UnChecked</a:t>
             </a:r>
             <a:r>
-              <a:rPr lang="en-US" b="1" dirty="0" smtClean="0"/>
+              <a:rPr lang="en-US" b="1" dirty="0"/>
               <a:t> exceptions</a:t>
             </a:r>
           </a:p>
           <a:p>
-            <a:endParaRPr lang="en-US" b="1" dirty="0" smtClean="0"/>
-          </a:p>
-          <a:p>
-            <a:endParaRPr lang="fr-FR" b="1" dirty="0" smtClean="0"/>
+            <a:endParaRPr lang="en-US" b="1" dirty="0"/>
+          </a:p>
+          <a:p>
+            <a:endParaRPr lang="fr-FR" b="1" dirty="0"/>
           </a:p>
           <a:p>
             <a:endParaRPr lang="vi-VN" dirty="0"/>
@@ -6437,7 +6713,7 @@
           <p:cNvPr id="5" name="Picture 5" descr="C:\Users\Admin\Desktop\tải xuống.png">
             <a:extLst>
               <a:ext uri="{FF2B5EF4-FFF2-40B4-BE49-F238E27FC236}">
-                <a16:creationId xmlns:a16="http://schemas.microsoft.com/office/drawing/2014/main" xmlns="" id="{B448CEE8-A073-4F84-8255-9246FE7F00BF}"/>
+                <a16:creationId xmlns:a16="http://schemas.microsoft.com/office/drawing/2014/main" id="{B448CEE8-A073-4F84-8255-9246FE7F00BF}"/>
               </a:ext>
             </a:extLst>
           </p:cNvPr>
@@ -6450,7 +6726,7 @@
           <a:blip r:embed="rId2">
             <a:extLst>
               <a:ext uri="{28A0092B-C50C-407E-A947-70E740481C1C}">
-                <a14:useLocalDpi xmlns:a14="http://schemas.microsoft.com/office/drawing/2010/main" xmlns="" val="0"/>
+                <a14:useLocalDpi xmlns:a14="http://schemas.microsoft.com/office/drawing/2010/main" val="0"/>
               </a:ext>
             </a:extLst>
           </a:blip>
@@ -6470,7 +6746,7 @@
           <a:noFill/>
           <a:extLst>
             <a:ext uri="{909E8E84-426E-40DD-AFC4-6F175D3DCCD1}">
-              <a14:hiddenFill xmlns:a14="http://schemas.microsoft.com/office/drawing/2010/main" xmlns="">
+              <a14:hiddenFill xmlns:a14="http://schemas.microsoft.com/office/drawing/2010/main">
                 <a:solidFill>
                   <a:srgbClr val="FFFFFF"/>
                 </a:solidFill>
@@ -6501,36 +6777,35 @@
           <a:lstStyle/>
           <a:p>
             <a:r>
-              <a:rPr lang="vi-VN" dirty="0" smtClean="0"/>
+              <a:rPr lang="vi-VN" dirty="0"/>
               <a:t>Là loại exception xảy ra tại thời điểm thực thi chương trình, nó cũng có thể gọi là </a:t>
             </a:r>
             <a:r>
-              <a:rPr lang="vi-VN" b="1" dirty="0" smtClean="0"/>
+              <a:rPr lang="vi-VN" b="1" dirty="0"/>
               <a:t>runtime exceptions</a:t>
             </a:r>
             <a:r>
-              <a:rPr lang="vi-VN" dirty="0" smtClean="0"/>
+              <a:rPr lang="vi-VN" dirty="0"/>
               <a:t> đó là programming bugs, lỗi logic của chương trình… Loại exception này được bỏ qua trong quá trình compile, không bắt buộc ta phải handle nó.</a:t>
             </a:r>
           </a:p>
           <a:p>
             <a:r>
-              <a:rPr lang="vi-VN" dirty="0" smtClean="0"/>
+              <a:rPr lang="vi-VN" dirty="0"/>
               <a:t>Các lớp extends từ RuntimeException được gọi là unchecked exception.</a:t>
             </a:r>
           </a:p>
           <a:p>
             <a:r>
-              <a:rPr lang="vi-VN" dirty="0" smtClean="0"/>
+              <a:rPr lang="vi-VN" dirty="0"/>
               <a:t>Ví dụ: NullPointerException, NumberFormatException, ArrayIndexOutOfBoundsException, DivideByZeroException, …</a:t>
             </a:r>
           </a:p>
           <a:p>
             <a:r>
-              <a:rPr lang="vi-VN" dirty="0" smtClean="0"/>
+              <a:rPr lang="vi-VN" dirty="0"/>
               <a:t>Ví dụ một biến có giá trị null, thực hiện bất kỳ hoạt động nào bởi biến đó sẽ xảy ra ngoại lệ NullPointerException.</a:t>
             </a:r>
-            <a:endParaRPr lang="vi-VN" dirty="0"/>
           </a:p>
         </p:txBody>
       </p:sp>
@@ -6570,7 +6845,7 @@
     </p:spTree>
     <p:extLst>
       <p:ext uri="{BB962C8B-B14F-4D97-AF65-F5344CB8AC3E}">
-        <p14:creationId xmlns:p14="http://schemas.microsoft.com/office/powerpoint/2010/main" xmlns="" val="2063283471"/>
+        <p14:creationId xmlns:p14="http://schemas.microsoft.com/office/powerpoint/2010/main" val="2063283471"/>
       </p:ext>
     </p:extLst>
   </p:cSld>
@@ -6675,6 +6950,59 @@
                       </p:childTnLst>
                     </p:cTn>
                   </p:par>
+                  <p:par>
+                    <p:cTn id="11" fill="hold">
+                      <p:stCondLst>
+                        <p:cond delay="indefinite"/>
+                      </p:stCondLst>
+                      <p:childTnLst>
+                        <p:par>
+                          <p:cTn id="12" fill="hold">
+                            <p:stCondLst>
+                              <p:cond delay="0"/>
+                            </p:stCondLst>
+                            <p:childTnLst>
+                              <p:par>
+                                <p:cTn id="13" presetID="10" presetClass="entr" presetSubtype="0" fill="hold" nodeType="clickEffect">
+                                  <p:stCondLst>
+                                    <p:cond delay="0"/>
+                                  </p:stCondLst>
+                                  <p:childTnLst>
+                                    <p:set>
+                                      <p:cBhvr>
+                                        <p:cTn id="14" dur="1" fill="hold">
+                                          <p:stCondLst>
+                                            <p:cond delay="0"/>
+                                          </p:stCondLst>
+                                        </p:cTn>
+                                        <p:tgtEl>
+                                          <p:spTgt spid="4098"/>
+                                        </p:tgtEl>
+                                        <p:attrNameLst>
+                                          <p:attrName>style.visibility</p:attrName>
+                                        </p:attrNameLst>
+                                      </p:cBhvr>
+                                      <p:to>
+                                        <p:strVal val="visible"/>
+                                      </p:to>
+                                    </p:set>
+                                    <p:animEffect transition="in" filter="fade">
+                                      <p:cBhvr>
+                                        <p:cTn id="15" dur="500"/>
+                                        <p:tgtEl>
+                                          <p:spTgt spid="4098"/>
+                                        </p:tgtEl>
+                                      </p:cBhvr>
+                                    </p:animEffect>
+                                  </p:childTnLst>
+                                </p:cTn>
+                              </p:par>
+                            </p:childTnLst>
+                          </p:cTn>
+                        </p:par>
+                      </p:childTnLst>
+                    </p:cTn>
+                  </p:par>
                 </p:childTnLst>
               </p:cTn>
               <p:prevCondLst>
@@ -6760,22 +7088,22 @@
           </a:lstStyle>
           <a:p>
             <a:r>
-              <a:rPr lang="en-US" dirty="0" smtClean="0"/>
+              <a:rPr lang="en-US" dirty="0"/>
               <a:t>2.2 </a:t>
             </a:r>
             <a:r>
-              <a:rPr lang="en-US" b="1" dirty="0" smtClean="0"/>
+              <a:rPr lang="en-US" b="1" dirty="0"/>
               <a:t>Error</a:t>
             </a:r>
           </a:p>
           <a:p>
-            <a:endParaRPr lang="en-US" b="1" dirty="0" smtClean="0"/>
-          </a:p>
-          <a:p>
-            <a:endParaRPr lang="en-US" b="1" dirty="0" smtClean="0"/>
-          </a:p>
-          <a:p>
-            <a:endParaRPr lang="fr-FR" b="1" dirty="0" smtClean="0"/>
+            <a:endParaRPr lang="en-US" b="1" dirty="0"/>
+          </a:p>
+          <a:p>
+            <a:endParaRPr lang="en-US" b="1" dirty="0"/>
+          </a:p>
+          <a:p>
+            <a:endParaRPr lang="fr-FR" b="1" dirty="0"/>
           </a:p>
           <a:p>
             <a:endParaRPr lang="vi-VN" dirty="0"/>
@@ -6787,7 +7115,7 @@
           <p:cNvPr id="5" name="Picture 5" descr="C:\Users\Admin\Desktop\tải xuống.png">
             <a:extLst>
               <a:ext uri="{FF2B5EF4-FFF2-40B4-BE49-F238E27FC236}">
-                <a16:creationId xmlns:a16="http://schemas.microsoft.com/office/drawing/2014/main" xmlns="" id="{B448CEE8-A073-4F84-8255-9246FE7F00BF}"/>
+                <a16:creationId xmlns:a16="http://schemas.microsoft.com/office/drawing/2014/main" id="{B448CEE8-A073-4F84-8255-9246FE7F00BF}"/>
               </a:ext>
             </a:extLst>
           </p:cNvPr>
@@ -6800,7 +7128,7 @@
           <a:blip r:embed="rId2">
             <a:extLst>
               <a:ext uri="{28A0092B-C50C-407E-A947-70E740481C1C}">
-                <a14:useLocalDpi xmlns:a14="http://schemas.microsoft.com/office/drawing/2010/main" xmlns="" val="0"/>
+                <a14:useLocalDpi xmlns:a14="http://schemas.microsoft.com/office/drawing/2010/main" val="0"/>
               </a:ext>
             </a:extLst>
           </a:blip>
@@ -6820,7 +7148,7 @@
           <a:noFill/>
           <a:extLst>
             <a:ext uri="{909E8E84-426E-40DD-AFC4-6F175D3DCCD1}">
-              <a14:hiddenFill xmlns:a14="http://schemas.microsoft.com/office/drawing/2010/main" xmlns="">
+              <a14:hiddenFill xmlns:a14="http://schemas.microsoft.com/office/drawing/2010/main">
                 <a:solidFill>
                   <a:srgbClr val="FFFFFF"/>
                 </a:solidFill>
@@ -6851,30 +7179,25 @@
           <a:lstStyle/>
           <a:p>
             <a:r>
-              <a:rPr lang="en-US" dirty="0" smtClean="0"/>
+              <a:rPr lang="en-US" dirty="0"/>
               <a:t>E</a:t>
             </a:r>
             <a:r>
-              <a:rPr lang="vi-VN" dirty="0" smtClean="0"/>
-              <a:t>rror </a:t>
-            </a:r>
-            <a:r>
-              <a:rPr lang="vi-VN" dirty="0" smtClean="0"/>
-              <a:t>là những vấn đề nghiêm trọng liên quan đến môi trường thực thi của ứng dụng hoặc hệ thống mà lập trình viên không thể kiểm soát. Nó thường làm chết chương trình.</a:t>
-            </a:r>
-          </a:p>
-          <a:p>
-            <a:r>
-              <a:rPr lang="vi-VN" dirty="0" smtClean="0"/>
+              <a:rPr lang="vi-VN" dirty="0"/>
+              <a:t>rror là những vấn đề nghiêm trọng liên quan đến môi trường thực thi của ứng dụng hoặc hệ thống mà lập trình viên không thể kiểm soát. Nó thường làm chết chương trình.</a:t>
+            </a:r>
+          </a:p>
+          <a:p>
+            <a:r>
+              <a:rPr lang="vi-VN" dirty="0"/>
               <a:t>Lớp Error định nghĩa các ngoại lệ mà không thể bắt (catch) từ chương trình.</a:t>
             </a:r>
           </a:p>
           <a:p>
             <a:r>
-              <a:rPr lang="vi-VN" dirty="0" smtClean="0"/>
+              <a:rPr lang="vi-VN" dirty="0"/>
               <a:t>Ví dụ: OutOfMemoryError, VirtualMachineError, and StackOverflowError, …</a:t>
             </a:r>
-            <a:endParaRPr lang="vi-VN" dirty="0"/>
           </a:p>
         </p:txBody>
       </p:sp>
@@ -6914,7 +7237,7 @@
     </p:spTree>
     <p:extLst>
       <p:ext uri="{BB962C8B-B14F-4D97-AF65-F5344CB8AC3E}">
-        <p14:creationId xmlns:p14="http://schemas.microsoft.com/office/powerpoint/2010/main" xmlns="" val="2063283471"/>
+        <p14:creationId xmlns:p14="http://schemas.microsoft.com/office/powerpoint/2010/main" val="2063283471"/>
       </p:ext>
     </p:extLst>
   </p:cSld>
@@ -7010,6 +7333,59 @@
                                         <p:strVal val="visible"/>
                                       </p:to>
                                     </p:set>
+                                  </p:childTnLst>
+                                </p:cTn>
+                              </p:par>
+                            </p:childTnLst>
+                          </p:cTn>
+                        </p:par>
+                      </p:childTnLst>
+                    </p:cTn>
+                  </p:par>
+                  <p:par>
+                    <p:cTn id="11" fill="hold">
+                      <p:stCondLst>
+                        <p:cond delay="indefinite"/>
+                      </p:stCondLst>
+                      <p:childTnLst>
+                        <p:par>
+                          <p:cTn id="12" fill="hold">
+                            <p:stCondLst>
+                              <p:cond delay="0"/>
+                            </p:stCondLst>
+                            <p:childTnLst>
+                              <p:par>
+                                <p:cTn id="13" presetID="10" presetClass="entr" presetSubtype="0" fill="hold" nodeType="clickEffect">
+                                  <p:stCondLst>
+                                    <p:cond delay="0"/>
+                                  </p:stCondLst>
+                                  <p:childTnLst>
+                                    <p:set>
+                                      <p:cBhvr>
+                                        <p:cTn id="14" dur="1" fill="hold">
+                                          <p:stCondLst>
+                                            <p:cond delay="0"/>
+                                          </p:stCondLst>
+                                        </p:cTn>
+                                        <p:tgtEl>
+                                          <p:spTgt spid="5122"/>
+                                        </p:tgtEl>
+                                        <p:attrNameLst>
+                                          <p:attrName>style.visibility</p:attrName>
+                                        </p:attrNameLst>
+                                      </p:cBhvr>
+                                      <p:to>
+                                        <p:strVal val="visible"/>
+                                      </p:to>
+                                    </p:set>
+                                    <p:animEffect transition="in" filter="fade">
+                                      <p:cBhvr>
+                                        <p:cTn id="15" dur="500"/>
+                                        <p:tgtEl>
+                                          <p:spTgt spid="5122"/>
+                                        </p:tgtEl>
+                                      </p:cBhvr>
+                                    </p:animEffect>
                                   </p:childTnLst>
                                 </p:cTn>
                               </p:par>
